--- a/DIRECT_Poster.pptx
+++ b/DIRECT_Poster.pptx
@@ -2984,86 +2984,10 @@
       </p:grpSpPr>
       <p:sp>
         <p:nvSpPr>
-          <p:cNvPr id="6" name="TextBox 5">
+          <p:cNvPr id="25" name="Rounded Rectangle 5">
             <a:extLst>
               <a:ext uri="{FF2B5EF4-FFF2-40B4-BE49-F238E27FC236}">
-                <a16:creationId xmlns:a16="http://schemas.microsoft.com/office/drawing/2014/main" id="{74E229F8-9968-4886-A900-959948C741AD}"/>
-              </a:ext>
-            </a:extLst>
-          </p:cNvPr>
-          <p:cNvSpPr txBox="1"/>
-          <p:nvPr/>
-        </p:nvSpPr>
-        <p:spPr>
-          <a:xfrm>
-            <a:off x="314118" y="1164164"/>
-            <a:ext cx="42342642" cy="1446550"/>
-          </a:xfrm>
-          <a:prstGeom prst="rect">
-            <a:avLst/>
-          </a:prstGeom>
-          <a:noFill/>
-        </p:spPr>
-        <p:txBody>
-          <a:bodyPr wrap="square" rtlCol="0">
-            <a:spAutoFit/>
-          </a:bodyPr>
-          <a:lstStyle/>
-          <a:p>
-            <a:pPr algn="ctr"/>
-            <a:r>
-              <a:rPr lang="en-US" sz="8800" dirty="0">
-                <a:latin typeface="Lucida Sans" panose="020B0602030504020204" pitchFamily="34" charset="0"/>
-              </a:rPr>
-              <a:t>Route Dynamics: Visualizing King County Metro Bus Routes</a:t>
-            </a:r>
-          </a:p>
-        </p:txBody>
-      </p:sp>
-      <p:sp>
-        <p:nvSpPr>
-          <p:cNvPr id="7" name="TextBox 6">
-            <a:extLst>
-              <a:ext uri="{FF2B5EF4-FFF2-40B4-BE49-F238E27FC236}">
-                <a16:creationId xmlns:a16="http://schemas.microsoft.com/office/drawing/2014/main" id="{1D17AA90-5CC2-41F7-8188-6BDA906F406F}"/>
-              </a:ext>
-            </a:extLst>
-          </p:cNvPr>
-          <p:cNvSpPr txBox="1"/>
-          <p:nvPr/>
-        </p:nvSpPr>
-        <p:spPr>
-          <a:xfrm>
-            <a:off x="11089134" y="3964931"/>
-            <a:ext cx="20158452" cy="923330"/>
-          </a:xfrm>
-          <a:prstGeom prst="rect">
-            <a:avLst/>
-          </a:prstGeom>
-          <a:noFill/>
-        </p:spPr>
-        <p:txBody>
-          <a:bodyPr wrap="square" rtlCol="0">
-            <a:spAutoFit/>
-          </a:bodyPr>
-          <a:lstStyle/>
-          <a:p>
-            <a:pPr algn="ctr"/>
-            <a:r>
-              <a:rPr lang="en-US" sz="5400" dirty="0">
-                <a:latin typeface="Lucida Sans" panose="020B0602030504020204" pitchFamily="34" charset="0"/>
-              </a:rPr>
-              <a:t>Erica E. Eggleton, </a:t>
-            </a:r>
-          </a:p>
-        </p:txBody>
-      </p:sp>
-      <p:sp>
-        <p:nvSpPr>
-          <p:cNvPr id="8" name="Rounded Rectangle 5">
-            <a:extLst>
-              <a:ext uri="{FF2B5EF4-FFF2-40B4-BE49-F238E27FC236}">
-                <a16:creationId xmlns:a16="http://schemas.microsoft.com/office/drawing/2014/main" id="{E7326DD3-1775-4287-98C6-4CADFEE88847}"/>
+                <a16:creationId xmlns:a16="http://schemas.microsoft.com/office/drawing/2014/main" id="{4EA5DE83-C1D6-4F27-ABE8-BD5F93CFDE86}"/>
               </a:ext>
             </a:extLst>
           </p:cNvPr>
@@ -3072,8 +2996,8 @@
         </p:nvSpPr>
         <p:spPr>
           <a:xfrm>
-            <a:off x="296878" y="5753036"/>
-            <a:ext cx="20442817" cy="11940603"/>
+            <a:off x="577143" y="21976999"/>
+            <a:ext cx="20442817" cy="9591933"/>
           </a:xfrm>
           <a:prstGeom prst="roundRect">
             <a:avLst>
@@ -3105,16 +3029,16 @@
           <a:lstStyle/>
           <a:p>
             <a:pPr algn="ctr"/>
-            <a:endParaRPr lang="en-US"/>
-          </a:p>
-        </p:txBody>
-      </p:sp>
-      <p:sp>
-        <p:nvSpPr>
-          <p:cNvPr id="9" name="TextBox 8">
+            <a:endParaRPr lang="en-US" dirty="0"/>
+          </a:p>
+        </p:txBody>
+      </p:sp>
+      <p:sp>
+        <p:nvSpPr>
+          <p:cNvPr id="6" name="TextBox 5">
             <a:extLst>
               <a:ext uri="{FF2B5EF4-FFF2-40B4-BE49-F238E27FC236}">
-                <a16:creationId xmlns:a16="http://schemas.microsoft.com/office/drawing/2014/main" id="{91B14795-9FAE-4F4A-8570-E21A58300CE4}"/>
+                <a16:creationId xmlns:a16="http://schemas.microsoft.com/office/drawing/2014/main" id="{74E229F8-9968-4886-A900-959948C741AD}"/>
               </a:ext>
             </a:extLst>
           </p:cNvPr>
@@ -3123,20 +3047,13 @@
         </p:nvSpPr>
         <p:spPr>
           <a:xfrm>
-            <a:off x="3386588" y="5510886"/>
-            <a:ext cx="12801600" cy="769441"/>
+            <a:off x="314118" y="1164164"/>
+            <a:ext cx="42342642" cy="1446550"/>
           </a:xfrm>
           <a:prstGeom prst="rect">
             <a:avLst/>
           </a:prstGeom>
-          <a:solidFill>
-            <a:schemeClr val="bg1"/>
-          </a:solidFill>
-          <a:ln>
-            <a:solidFill>
-              <a:schemeClr val="accent1"/>
-            </a:solidFill>
-          </a:ln>
+          <a:noFill/>
         </p:spPr>
         <p:txBody>
           <a:bodyPr wrap="square" rtlCol="0">
@@ -3146,18 +3063,64 @@
           <a:p>
             <a:pPr algn="ctr"/>
             <a:r>
-              <a:rPr lang="en-US" sz="4400" dirty="0"/>
-              <a:t>Motivation</a:t>
-            </a:r>
-          </a:p>
-        </p:txBody>
-      </p:sp>
-      <p:sp>
-        <p:nvSpPr>
-          <p:cNvPr id="10" name="Rounded Rectangle 5">
+              <a:rPr lang="en-US" sz="8800" dirty="0">
+                <a:latin typeface="Lucida Sans" panose="020B0602030504020204" pitchFamily="34" charset="0"/>
+              </a:rPr>
+              <a:t>Route Dynamics: Visualizing King County Metro Bus Routes</a:t>
+            </a:r>
+          </a:p>
+        </p:txBody>
+      </p:sp>
+      <p:sp>
+        <p:nvSpPr>
+          <p:cNvPr id="7" name="TextBox 6">
             <a:extLst>
               <a:ext uri="{FF2B5EF4-FFF2-40B4-BE49-F238E27FC236}">
-                <a16:creationId xmlns:a16="http://schemas.microsoft.com/office/drawing/2014/main" id="{A672FF68-D51D-40C4-84DC-7AAC132B3F53}"/>
+                <a16:creationId xmlns:a16="http://schemas.microsoft.com/office/drawing/2014/main" id="{1D17AA90-5CC2-41F7-8188-6BDA906F406F}"/>
+              </a:ext>
+            </a:extLst>
+          </p:cNvPr>
+          <p:cNvSpPr txBox="1"/>
+          <p:nvPr/>
+        </p:nvSpPr>
+        <p:spPr>
+          <a:xfrm>
+            <a:off x="11089134" y="3964931"/>
+            <a:ext cx="20158452" cy="923330"/>
+          </a:xfrm>
+          <a:prstGeom prst="rect">
+            <a:avLst/>
+          </a:prstGeom>
+          <a:noFill/>
+        </p:spPr>
+        <p:txBody>
+          <a:bodyPr wrap="square" rtlCol="0">
+            <a:spAutoFit/>
+          </a:bodyPr>
+          <a:lstStyle/>
+          <a:p>
+            <a:pPr algn="ctr"/>
+            <a:r>
+              <a:rPr lang="en-US" sz="5400" dirty="0" err="1">
+                <a:latin typeface="Lucida Sans" panose="020B0602030504020204" pitchFamily="34" charset="0"/>
+              </a:rPr>
+              <a:t>Atinuke</a:t>
+            </a:r>
+            <a:r>
+              <a:rPr lang="en-US" sz="5400" dirty="0">
+                <a:latin typeface="Lucida Sans" panose="020B0602030504020204" pitchFamily="34" charset="0"/>
+              </a:rPr>
+              <a:t> Ademola-Idowu, Erica E. Eggleton, Yohan, KM </a:t>
+            </a:r>
+          </a:p>
+        </p:txBody>
+      </p:sp>
+      <p:sp>
+        <p:nvSpPr>
+          <p:cNvPr id="8" name="Rounded Rectangle 5">
+            <a:extLst>
+              <a:ext uri="{FF2B5EF4-FFF2-40B4-BE49-F238E27FC236}">
+                <a16:creationId xmlns:a16="http://schemas.microsoft.com/office/drawing/2014/main" id="{E7326DD3-1775-4287-98C6-4CADFEE88847}"/>
               </a:ext>
             </a:extLst>
           </p:cNvPr>
@@ -3166,8 +3129,8 @@
         </p:nvSpPr>
         <p:spPr>
           <a:xfrm>
-            <a:off x="314117" y="18664442"/>
-            <a:ext cx="20442816" cy="13143712"/>
+            <a:off x="296878" y="5753037"/>
+            <a:ext cx="20442817" cy="4895962"/>
           </a:xfrm>
           <a:prstGeom prst="roundRect">
             <a:avLst>
@@ -3205,10 +3168,10 @@
       </p:sp>
       <p:sp>
         <p:nvSpPr>
-          <p:cNvPr id="11" name="TextBox 10">
+          <p:cNvPr id="9" name="TextBox 8">
             <a:extLst>
               <a:ext uri="{FF2B5EF4-FFF2-40B4-BE49-F238E27FC236}">
-                <a16:creationId xmlns:a16="http://schemas.microsoft.com/office/drawing/2014/main" id="{F29EFE26-935F-4888-A5A4-EB44A1CDC190}"/>
+                <a16:creationId xmlns:a16="http://schemas.microsoft.com/office/drawing/2014/main" id="{91B14795-9FAE-4F4A-8570-E21A58300CE4}"/>
               </a:ext>
             </a:extLst>
           </p:cNvPr>
@@ -3217,7 +3180,7 @@
         </p:nvSpPr>
         <p:spPr>
           <a:xfrm>
-            <a:off x="3386588" y="18236277"/>
+            <a:off x="3386588" y="5510886"/>
             <a:ext cx="12801600" cy="769441"/>
           </a:xfrm>
           <a:prstGeom prst="rect">
@@ -3241,17 +3204,17 @@
             <a:pPr algn="ctr"/>
             <a:r>
               <a:rPr lang="en-US" sz="4400" dirty="0"/>
-              <a:t>Data Cleaning</a:t>
-            </a:r>
-          </a:p>
-        </p:txBody>
-      </p:sp>
-      <p:sp>
-        <p:nvSpPr>
-          <p:cNvPr id="12" name="Rounded Rectangle 18">
+              <a:t>Objective</a:t>
+            </a:r>
+          </a:p>
+        </p:txBody>
+      </p:sp>
+      <p:sp>
+        <p:nvSpPr>
+          <p:cNvPr id="10" name="Rounded Rectangle 5">
             <a:extLst>
               <a:ext uri="{FF2B5EF4-FFF2-40B4-BE49-F238E27FC236}">
-                <a16:creationId xmlns:a16="http://schemas.microsoft.com/office/drawing/2014/main" id="{83A20556-134D-41D9-87EE-CE9E90E6B535}"/>
+                <a16:creationId xmlns:a16="http://schemas.microsoft.com/office/drawing/2014/main" id="{A672FF68-D51D-40C4-84DC-7AAC132B3F53}"/>
               </a:ext>
             </a:extLst>
           </p:cNvPr>
@@ -3260,8 +3223,8 @@
         </p:nvSpPr>
         <p:spPr>
           <a:xfrm>
-            <a:off x="21328507" y="5775406"/>
-            <a:ext cx="22208573" cy="18253910"/>
+            <a:off x="354120" y="11950077"/>
+            <a:ext cx="20442816" cy="9208714"/>
           </a:xfrm>
           <a:prstGeom prst="roundRect">
             <a:avLst>
@@ -3293,16 +3256,16 @@
           <a:lstStyle/>
           <a:p>
             <a:pPr algn="ctr"/>
-            <a:endParaRPr lang="en-US" sz="1800" dirty="0"/>
-          </a:p>
-        </p:txBody>
-      </p:sp>
-      <p:sp>
-        <p:nvSpPr>
-          <p:cNvPr id="13" name="TextBox 12">
+            <a:endParaRPr lang="en-US"/>
+          </a:p>
+        </p:txBody>
+      </p:sp>
+      <p:sp>
+        <p:nvSpPr>
+          <p:cNvPr id="11" name="TextBox 10">
             <a:extLst>
               <a:ext uri="{FF2B5EF4-FFF2-40B4-BE49-F238E27FC236}">
-                <a16:creationId xmlns:a16="http://schemas.microsoft.com/office/drawing/2014/main" id="{ECBD597C-E201-4AB7-9861-64DD0F1DE017}"/>
+                <a16:creationId xmlns:a16="http://schemas.microsoft.com/office/drawing/2014/main" id="{F29EFE26-935F-4888-A5A4-EB44A1CDC190}"/>
               </a:ext>
             </a:extLst>
           </p:cNvPr>
@@ -3311,8 +3274,8 @@
         </p:nvSpPr>
         <p:spPr>
           <a:xfrm>
-            <a:off x="24361730" y="5301384"/>
-            <a:ext cx="15899880" cy="769441"/>
+            <a:off x="3386588" y="11545795"/>
+            <a:ext cx="12801600" cy="769441"/>
           </a:xfrm>
           <a:prstGeom prst="rect">
             <a:avLst/>
@@ -3335,17 +3298,17 @@
             <a:pPr algn="ctr"/>
             <a:r>
               <a:rPr lang="en-US" sz="4400" dirty="0"/>
-              <a:t>How the Package Works</a:t>
-            </a:r>
-          </a:p>
-        </p:txBody>
-      </p:sp>
-      <p:sp>
-        <p:nvSpPr>
-          <p:cNvPr id="14" name="Rounded Rectangle 18">
+              <a:t>Work Flow / Packages</a:t>
+            </a:r>
+          </a:p>
+        </p:txBody>
+      </p:sp>
+      <p:sp>
+        <p:nvSpPr>
+          <p:cNvPr id="12" name="Rounded Rectangle 18">
             <a:extLst>
               <a:ext uri="{FF2B5EF4-FFF2-40B4-BE49-F238E27FC236}">
-                <a16:creationId xmlns:a16="http://schemas.microsoft.com/office/drawing/2014/main" id="{BBCDCECD-E2E1-4632-84FE-A6CFD77DFDA2}"/>
+                <a16:creationId xmlns:a16="http://schemas.microsoft.com/office/drawing/2014/main" id="{83A20556-134D-41D9-87EE-CE9E90E6B535}"/>
               </a:ext>
             </a:extLst>
           </p:cNvPr>
@@ -3354,8 +3317,8 @@
         </p:nvSpPr>
         <p:spPr>
           <a:xfrm>
-            <a:off x="21328507" y="24721457"/>
-            <a:ext cx="22031578" cy="7032780"/>
+            <a:off x="21328507" y="5775406"/>
+            <a:ext cx="22208573" cy="18253910"/>
           </a:xfrm>
           <a:prstGeom prst="roundRect">
             <a:avLst>
@@ -3393,10 +3356,10 @@
       </p:sp>
       <p:sp>
         <p:nvSpPr>
-          <p:cNvPr id="15" name="TextBox 14">
+          <p:cNvPr id="13" name="TextBox 12">
             <a:extLst>
               <a:ext uri="{FF2B5EF4-FFF2-40B4-BE49-F238E27FC236}">
-                <a16:creationId xmlns:a16="http://schemas.microsoft.com/office/drawing/2014/main" id="{DC55035F-05C0-4592-8D75-FC847E077E1B}"/>
+                <a16:creationId xmlns:a16="http://schemas.microsoft.com/office/drawing/2014/main" id="{ECBD597C-E201-4AB7-9861-64DD0F1DE017}"/>
               </a:ext>
             </a:extLst>
           </p:cNvPr>
@@ -3405,7 +3368,7 @@
         </p:nvSpPr>
         <p:spPr>
           <a:xfrm>
-            <a:off x="24188448" y="24413976"/>
+            <a:off x="24361730" y="5301384"/>
             <a:ext cx="15899880" cy="769441"/>
           </a:xfrm>
           <a:prstGeom prst="rect">
@@ -3429,17 +3392,17 @@
             <a:pPr algn="ctr"/>
             <a:r>
               <a:rPr lang="en-US" sz="4400" dirty="0"/>
-              <a:t>Future Work</a:t>
-            </a:r>
-          </a:p>
-        </p:txBody>
-      </p:sp>
-      <p:sp>
-        <p:nvSpPr>
-          <p:cNvPr id="20" name="Rounded Rectangle 12">
+              <a:t>Results</a:t>
+            </a:r>
+          </a:p>
+        </p:txBody>
+      </p:sp>
+      <p:sp>
+        <p:nvSpPr>
+          <p:cNvPr id="14" name="Rounded Rectangle 18">
             <a:extLst>
               <a:ext uri="{FF2B5EF4-FFF2-40B4-BE49-F238E27FC236}">
-                <a16:creationId xmlns:a16="http://schemas.microsoft.com/office/drawing/2014/main" id="{A7487E2A-7552-4759-8033-6675E73670CC}"/>
+                <a16:creationId xmlns:a16="http://schemas.microsoft.com/office/drawing/2014/main" id="{BBCDCECD-E2E1-4632-84FE-A6CFD77DFDA2}"/>
               </a:ext>
             </a:extLst>
           </p:cNvPr>
@@ -3448,8 +3411,8 @@
         </p:nvSpPr>
         <p:spPr>
           <a:xfrm>
-            <a:off x="21945600" y="28363949"/>
-            <a:ext cx="20381906" cy="3005628"/>
+            <a:off x="21328507" y="24721457"/>
+            <a:ext cx="22031578" cy="7032780"/>
           </a:xfrm>
           <a:prstGeom prst="roundRect">
             <a:avLst>
@@ -3481,6 +3444,100 @@
           <a:lstStyle/>
           <a:p>
             <a:pPr algn="ctr"/>
+            <a:endParaRPr lang="en-US" sz="1800" dirty="0"/>
+          </a:p>
+        </p:txBody>
+      </p:sp>
+      <p:sp>
+        <p:nvSpPr>
+          <p:cNvPr id="15" name="TextBox 14">
+            <a:extLst>
+              <a:ext uri="{FF2B5EF4-FFF2-40B4-BE49-F238E27FC236}">
+                <a16:creationId xmlns:a16="http://schemas.microsoft.com/office/drawing/2014/main" id="{DC55035F-05C0-4592-8D75-FC847E077E1B}"/>
+              </a:ext>
+            </a:extLst>
+          </p:cNvPr>
+          <p:cNvSpPr txBox="1"/>
+          <p:nvPr/>
+        </p:nvSpPr>
+        <p:spPr>
+          <a:xfrm>
+            <a:off x="24188448" y="24413976"/>
+            <a:ext cx="15899880" cy="769441"/>
+          </a:xfrm>
+          <a:prstGeom prst="rect">
+            <a:avLst/>
+          </a:prstGeom>
+          <a:solidFill>
+            <a:schemeClr val="bg1"/>
+          </a:solidFill>
+          <a:ln>
+            <a:solidFill>
+              <a:schemeClr val="accent1"/>
+            </a:solidFill>
+          </a:ln>
+        </p:spPr>
+        <p:txBody>
+          <a:bodyPr wrap="square" rtlCol="0">
+            <a:spAutoFit/>
+          </a:bodyPr>
+          <a:lstStyle/>
+          <a:p>
+            <a:pPr algn="ctr"/>
+            <a:r>
+              <a:rPr lang="en-US" sz="4400" dirty="0"/>
+              <a:t>Future Work</a:t>
+            </a:r>
+          </a:p>
+        </p:txBody>
+      </p:sp>
+      <p:sp>
+        <p:nvSpPr>
+          <p:cNvPr id="20" name="Rounded Rectangle 12">
+            <a:extLst>
+              <a:ext uri="{FF2B5EF4-FFF2-40B4-BE49-F238E27FC236}">
+                <a16:creationId xmlns:a16="http://schemas.microsoft.com/office/drawing/2014/main" id="{A7487E2A-7552-4759-8033-6675E73670CC}"/>
+              </a:ext>
+            </a:extLst>
+          </p:cNvPr>
+          <p:cNvSpPr/>
+          <p:nvPr/>
+        </p:nvSpPr>
+        <p:spPr>
+          <a:xfrm>
+            <a:off x="21945600" y="29548887"/>
+            <a:ext cx="20381906" cy="1820689"/>
+          </a:xfrm>
+          <a:prstGeom prst="roundRect">
+            <a:avLst>
+              <a:gd name="adj" fmla="val 0"/>
+            </a:avLst>
+          </a:prstGeom>
+          <a:solidFill>
+            <a:schemeClr val="bg1"/>
+          </a:solidFill>
+        </p:spPr>
+        <p:style>
+          <a:lnRef idx="2">
+            <a:schemeClr val="accent1">
+              <a:shade val="50000"/>
+            </a:schemeClr>
+          </a:lnRef>
+          <a:fillRef idx="1">
+            <a:schemeClr val="accent1"/>
+          </a:fillRef>
+          <a:effectRef idx="0">
+            <a:schemeClr val="accent1"/>
+          </a:effectRef>
+          <a:fontRef idx="minor">
+            <a:schemeClr val="lt1"/>
+          </a:fontRef>
+        </p:style>
+        <p:txBody>
+          <a:bodyPr rtlCol="0" anchor="ctr"/>
+          <a:lstStyle/>
+          <a:p>
+            <a:pPr algn="ctr"/>
             <a:endParaRPr lang="en-US" dirty="0"/>
           </a:p>
         </p:txBody>
@@ -3499,7 +3556,7 @@
         </p:nvSpPr>
         <p:spPr>
           <a:xfrm>
-            <a:off x="22067815" y="28410410"/>
+            <a:off x="21973067" y="29548887"/>
             <a:ext cx="14602205" cy="830997"/>
           </a:xfrm>
           <a:prstGeom prst="rect">
@@ -3520,12 +3577,101 @@
           </a:p>
         </p:txBody>
       </p:sp>
+      <p:sp>
+        <p:nvSpPr>
+          <p:cNvPr id="26" name="TextBox 25">
+            <a:extLst>
+              <a:ext uri="{FF2B5EF4-FFF2-40B4-BE49-F238E27FC236}">
+                <a16:creationId xmlns:a16="http://schemas.microsoft.com/office/drawing/2014/main" id="{E277FEA3-C56D-4EEE-A8AA-147E0D76A315}"/>
+              </a:ext>
+            </a:extLst>
+          </p:cNvPr>
+          <p:cNvSpPr txBox="1"/>
+          <p:nvPr/>
+        </p:nvSpPr>
+        <p:spPr>
+          <a:xfrm>
+            <a:off x="3722861" y="21563073"/>
+            <a:ext cx="12801600" cy="769441"/>
+          </a:xfrm>
+          <a:prstGeom prst="rect">
+            <a:avLst/>
+          </a:prstGeom>
+          <a:solidFill>
+            <a:schemeClr val="bg1"/>
+          </a:solidFill>
+          <a:ln>
+            <a:solidFill>
+              <a:schemeClr val="accent1"/>
+            </a:solidFill>
+          </a:ln>
+        </p:spPr>
+        <p:txBody>
+          <a:bodyPr wrap="square" rtlCol="0">
+            <a:spAutoFit/>
+          </a:bodyPr>
+          <a:lstStyle/>
+          <a:p>
+            <a:pPr algn="ctr"/>
+            <a:r>
+              <a:rPr lang="en-US" sz="4400" dirty="0"/>
+              <a:t>Data Types / Cleaning</a:t>
+            </a:r>
+          </a:p>
+        </p:txBody>
+      </p:sp>
+      <p:sp>
+        <p:nvSpPr>
+          <p:cNvPr id="4" name="Right Triangle 3">
+            <a:extLst>
+              <a:ext uri="{FF2B5EF4-FFF2-40B4-BE49-F238E27FC236}">
+                <a16:creationId xmlns:a16="http://schemas.microsoft.com/office/drawing/2014/main" id="{F65451AA-141E-45CB-A51B-ACBE4A032C2C}"/>
+              </a:ext>
+            </a:extLst>
+          </p:cNvPr>
+          <p:cNvSpPr/>
+          <p:nvPr/>
+        </p:nvSpPr>
+        <p:spPr>
+          <a:xfrm flipH="1">
+            <a:off x="14830122" y="7194030"/>
+            <a:ext cx="5764788" cy="3334423"/>
+          </a:xfrm>
+          <a:prstGeom prst="rtTriangle">
+            <a:avLst/>
+          </a:prstGeom>
+        </p:spPr>
+        <p:style>
+          <a:lnRef idx="2">
+            <a:schemeClr val="accent3">
+              <a:shade val="50000"/>
+            </a:schemeClr>
+          </a:lnRef>
+          <a:fillRef idx="1">
+            <a:schemeClr val="accent3"/>
+          </a:fillRef>
+          <a:effectRef idx="0">
+            <a:schemeClr val="accent3"/>
+          </a:effectRef>
+          <a:fontRef idx="minor">
+            <a:schemeClr val="lt1"/>
+          </a:fontRef>
+        </p:style>
+        <p:txBody>
+          <a:bodyPr rtlCol="0" anchor="ctr"/>
+          <a:lstStyle/>
+          <a:p>
+            <a:pPr algn="ctr"/>
+            <a:endParaRPr lang="en-US"/>
+          </a:p>
+        </p:txBody>
+      </p:sp>
       <p:pic>
         <p:nvPicPr>
-          <p:cNvPr id="70" name="Picture 69">
+          <p:cNvPr id="45" name="Picture 44">
             <a:extLst>
               <a:ext uri="{FF2B5EF4-FFF2-40B4-BE49-F238E27FC236}">
-                <a16:creationId xmlns:a16="http://schemas.microsoft.com/office/drawing/2014/main" id="{BABF6471-C373-4B71-AFAE-AA8E8F5A39BF}"/>
+                <a16:creationId xmlns:a16="http://schemas.microsoft.com/office/drawing/2014/main" id="{DEC9B9D5-2C4B-4009-B9D9-0D9328B3F302}"/>
               </a:ext>
             </a:extLst>
           </p:cNvPr>
@@ -3537,6 +3683,83 @@
         <p:blipFill>
           <a:blip r:embed="rId2">
             <a:extLst>
+              <a:ext uri="{BEBA8EAE-BF5A-486C-A8C5-ECC9F3942E4B}">
+                <a14:imgProps xmlns:a14="http://schemas.microsoft.com/office/drawing/2010/main">
+                  <a14:imgLayer r:embed="rId3">
+                    <a14:imgEffect>
+                      <a14:backgroundRemoval t="6509" b="89941" l="4252" r="90000">
+                        <a14:foregroundMark x1="57165" y1="69527" x2="57165" y2="69527"/>
+                        <a14:foregroundMark x1="60079" y1="74704" x2="60079" y2="74704"/>
+                        <a14:foregroundMark x1="47008" y1="68047" x2="47008" y2="68047"/>
+                        <a14:foregroundMark x1="69528" y1="60355" x2="69528" y2="60355"/>
+                        <a14:foregroundMark x1="63307" y1="36095" x2="63307" y2="36095"/>
+                        <a14:foregroundMark x1="61732" y1="16716" x2="61732" y2="16716"/>
+                        <a14:foregroundMark x1="53780" y1="12426" x2="57638" y2="43491"/>
+                        <a14:foregroundMark x1="57638" y1="43491" x2="55512" y2="64941"/>
+                        <a14:foregroundMark x1="55512" y1="64941" x2="51811" y2="78846"/>
+                        <a14:foregroundMark x1="51811" y1="78846" x2="51339" y2="74260"/>
+                        <a14:foregroundMark x1="77953" y1="74112" x2="59370" y2="72633"/>
+                        <a14:foregroundMark x1="59370" y1="72633" x2="51890" y2="67751"/>
+                        <a14:foregroundMark x1="51890" y1="67751" x2="46299" y2="67456"/>
+                        <a14:foregroundMark x1="43543" y1="12722" x2="34961" y2="8876"/>
+                        <a14:foregroundMark x1="34961" y1="8876" x2="26142" y2="10799"/>
+                        <a14:foregroundMark x1="26142" y1="10799" x2="19134" y2="17604"/>
+                        <a14:foregroundMark x1="19134" y1="17604" x2="27795" y2="26923"/>
+                        <a14:foregroundMark x1="27795" y1="26923" x2="38031" y2="23373"/>
+                        <a14:foregroundMark x1="38031" y1="23373" x2="47402" y2="8728"/>
+                        <a14:foregroundMark x1="47402" y1="8728" x2="40709" y2="12426"/>
+                        <a14:foregroundMark x1="16614" y1="16568" x2="9055" y2="21154"/>
+                        <a14:foregroundMark x1="9055" y1="21154" x2="2835" y2="31509"/>
+                        <a14:foregroundMark x1="2835" y1="31509" x2="2362" y2="49260"/>
+                        <a14:foregroundMark x1="2362" y1="49260" x2="4252" y2="64349"/>
+                        <a14:foregroundMark x1="4252" y1="64349" x2="12283" y2="57840"/>
+                        <a14:foregroundMark x1="12283" y1="57840" x2="18268" y2="25592"/>
+                        <a14:foregroundMark x1="18268" y1="25592" x2="15669" y2="17308"/>
+                        <a14:foregroundMark x1="38425" y1="7249" x2="64409" y2="7692"/>
+                        <a14:foregroundMark x1="64409" y1="7692" x2="40315" y2="6509"/>
+                        <a14:foregroundMark x1="47244" y1="64349" x2="47244" y2="65237"/>
+                        <a14:foregroundMark x1="45354" y1="40237" x2="46063" y2="42456"/>
+                        <a14:foregroundMark x1="75669" y1="33136" x2="73937" y2="48817"/>
+                        <a14:foregroundMark x1="73937" y1="48817" x2="75669" y2="34024"/>
+                        <a14:foregroundMark x1="75669" y1="34024" x2="74331" y2="32692"/>
+                        <a14:foregroundMark x1="77244" y1="65828" x2="76614" y2="65089"/>
+                        <a14:foregroundMark x1="79291" y1="64497" x2="76457" y2="69675"/>
+                        <a14:foregroundMark x1="79685" y1="64201" x2="79764" y2="60059"/>
+                        <a14:foregroundMark x1="74016" y1="31213" x2="66299" y2="24852"/>
+                        <a14:foregroundMark x1="66299" y1="24852" x2="60709" y2="40976"/>
+                        <a14:foregroundMark x1="60709" y1="40976" x2="64016" y2="55769"/>
+                        <a14:foregroundMark x1="64016" y1="55769" x2="72126" y2="55917"/>
+                        <a14:foregroundMark x1="72126" y1="55917" x2="74331" y2="40680"/>
+                        <a14:foregroundMark x1="74331" y1="40680" x2="71496" y2="26923"/>
+                        <a14:foregroundMark x1="71496" y1="26923" x2="69528" y2="26479"/>
+                        <a14:foregroundMark x1="70236" y1="34615" x2="68819" y2="32249"/>
+                        <a14:foregroundMark x1="33386" y1="73077" x2="33386" y2="73669"/>
+                        <a14:foregroundMark x1="33150" y1="79290" x2="33622" y2="78698"/>
+                        <a14:foregroundMark x1="33701" y1="75444" x2="33071" y2="74408"/>
+                        <a14:foregroundMark x1="34331" y1="71746" x2="33780" y2="70414"/>
+                        <a14:foregroundMark x1="34173" y1="82249" x2="29764" y2="68639"/>
+                        <a14:foregroundMark x1="29764" y1="68639" x2="31654" y2="83728"/>
+                        <a14:foregroundMark x1="31654" y1="83728" x2="33622" y2="80917"/>
+                        <a14:foregroundMark x1="66299" y1="85207" x2="66220" y2="84911"/>
+                        <a14:foregroundMark x1="71496" y1="84911" x2="70079" y2="83876"/>
+                        <a14:foregroundMark x1="70709" y1="84320" x2="70157" y2="82988"/>
+                        <a14:foregroundMark x1="73701" y1="82840" x2="65433" y2="85947"/>
+                        <a14:foregroundMark x1="65433" y1="85947" x2="71371" y2="88608"/>
+                        <a14:foregroundMark x1="72701" y1="86140" x2="72205" y2="84763"/>
+                        <a14:backgroundMark x1="81969" y1="89497" x2="74299" y2="89081"/>
+                        <a14:backgroundMark x1="74323" y1="89020" x2="81181" y2="88609"/>
+                        <a14:backgroundMark x1="49291" y1="93343" x2="48976" y2="93047"/>
+                        <a14:backgroundMark x1="47087" y1="92899" x2="44724" y2="91124"/>
+                        <a14:backgroundMark x1="74803" y1="85207" x2="74658" y2="85309"/>
+                        <a14:backgroundMark x1="72520" y1="93195" x2="73465" y2="92604"/>
+                        <a14:backgroundMark x1="72441" y1="91864" x2="64409" y2="91124"/>
+                        <a14:backgroundMark x1="64409" y1="91124" x2="59370" y2="93491"/>
+                        <a14:backgroundMark x1="74567" y1="88018" x2="71654" y2="92899"/>
+                      </a14:backgroundRemoval>
+                    </a14:imgEffect>
+                  </a14:imgLayer>
+                </a14:imgProps>
+              </a:ext>
               <a:ext uri="{28A0092B-C50C-407E-A947-70E740481C1C}">
                 <a14:useLocalDpi xmlns:a14="http://schemas.microsoft.com/office/drawing/2010/main" val="0"/>
               </a:ext>
@@ -3547,15 +3770,488 @@
           </a:stretch>
         </p:blipFill>
         <p:spPr>
-          <a:xfrm>
-            <a:off x="14545018" y="14444845"/>
-            <a:ext cx="6093431" cy="3243433"/>
+          <a:xfrm rot="20041000">
+            <a:off x="15923701" y="6619951"/>
+            <a:ext cx="4919666" cy="2618657"/>
           </a:xfrm>
           <a:prstGeom prst="rect">
             <a:avLst/>
           </a:prstGeom>
         </p:spPr>
       </p:pic>
+      <p:sp>
+        <p:nvSpPr>
+          <p:cNvPr id="5" name="TextBox 4">
+            <a:extLst>
+              <a:ext uri="{FF2B5EF4-FFF2-40B4-BE49-F238E27FC236}">
+                <a16:creationId xmlns:a16="http://schemas.microsoft.com/office/drawing/2014/main" id="{92BEC798-2E03-4325-9D56-5338FAE0F4F7}"/>
+              </a:ext>
+            </a:extLst>
+          </p:cNvPr>
+          <p:cNvSpPr txBox="1"/>
+          <p:nvPr/>
+        </p:nvSpPr>
+        <p:spPr>
+          <a:xfrm>
+            <a:off x="577143" y="6760029"/>
+            <a:ext cx="15065628" cy="2308324"/>
+          </a:xfrm>
+          <a:prstGeom prst="rect">
+            <a:avLst/>
+          </a:prstGeom>
+          <a:noFill/>
+        </p:spPr>
+        <p:txBody>
+          <a:bodyPr wrap="square" rtlCol="0">
+            <a:spAutoFit/>
+          </a:bodyPr>
+          <a:lstStyle/>
+          <a:p>
+            <a:r>
+              <a:rPr lang="en-US" sz="3600" dirty="0"/>
+              <a:t>Driving up and down hills is a source of stress for batteries in electrified vehicles.  This software uses geographic information systems (GIS) data to determine the elevation profiles for King County Metro bus routes and rank the difficulty with regards to the batteries.</a:t>
+            </a:r>
+          </a:p>
+        </p:txBody>
+      </p:sp>
+      <p:sp>
+        <p:nvSpPr>
+          <p:cNvPr id="46" name="TextBox 45">
+            <a:extLst>
+              <a:ext uri="{FF2B5EF4-FFF2-40B4-BE49-F238E27FC236}">
+                <a16:creationId xmlns:a16="http://schemas.microsoft.com/office/drawing/2014/main" id="{E3758896-F533-49E0-9ABB-8CBBA2FD5AE9}"/>
+              </a:ext>
+            </a:extLst>
+          </p:cNvPr>
+          <p:cNvSpPr txBox="1"/>
+          <p:nvPr/>
+        </p:nvSpPr>
+        <p:spPr>
+          <a:xfrm>
+            <a:off x="1122560" y="13133444"/>
+            <a:ext cx="15065628" cy="646331"/>
+          </a:xfrm>
+          <a:prstGeom prst="rect">
+            <a:avLst/>
+          </a:prstGeom>
+          <a:noFill/>
+        </p:spPr>
+        <p:txBody>
+          <a:bodyPr wrap="square" rtlCol="0">
+            <a:spAutoFit/>
+          </a:bodyPr>
+          <a:lstStyle/>
+          <a:p>
+            <a:r>
+              <a:rPr lang="en-US" sz="3600" dirty="0"/>
+              <a:t>Flow chart here</a:t>
+            </a:r>
+          </a:p>
+        </p:txBody>
+      </p:sp>
+      <p:sp>
+        <p:nvSpPr>
+          <p:cNvPr id="48" name="TextBox 47">
+            <a:extLst>
+              <a:ext uri="{FF2B5EF4-FFF2-40B4-BE49-F238E27FC236}">
+                <a16:creationId xmlns:a16="http://schemas.microsoft.com/office/drawing/2014/main" id="{6C65CA81-E93B-4F1C-A0B8-8E0FE32DE5B7}"/>
+              </a:ext>
+            </a:extLst>
+          </p:cNvPr>
+          <p:cNvSpPr txBox="1"/>
+          <p:nvPr/>
+        </p:nvSpPr>
+        <p:spPr>
+          <a:xfrm>
+            <a:off x="21973067" y="7438144"/>
+            <a:ext cx="15065628" cy="1754326"/>
+          </a:xfrm>
+          <a:prstGeom prst="rect">
+            <a:avLst/>
+          </a:prstGeom>
+          <a:noFill/>
+        </p:spPr>
+        <p:txBody>
+          <a:bodyPr wrap="square" rtlCol="0">
+            <a:spAutoFit/>
+          </a:bodyPr>
+          <a:lstStyle/>
+          <a:p>
+            <a:r>
+              <a:rPr lang="en-US" sz="3600" dirty="0"/>
+              <a:t>Plots and Maps</a:t>
+            </a:r>
+          </a:p>
+          <a:p>
+            <a:endParaRPr lang="en-US" sz="3600" dirty="0"/>
+          </a:p>
+          <a:p>
+            <a:r>
+              <a:rPr lang="en-US" sz="3600" dirty="0"/>
+              <a:t>-Erica will add maps tomorrow</a:t>
+            </a:r>
+          </a:p>
+        </p:txBody>
+      </p:sp>
+      <p:sp>
+        <p:nvSpPr>
+          <p:cNvPr id="16" name="TextBox 15">
+            <a:extLst>
+              <a:ext uri="{FF2B5EF4-FFF2-40B4-BE49-F238E27FC236}">
+                <a16:creationId xmlns:a16="http://schemas.microsoft.com/office/drawing/2014/main" id="{68D0E845-D26B-4121-91F2-70E6D0124C88}"/>
+              </a:ext>
+            </a:extLst>
+          </p:cNvPr>
+          <p:cNvSpPr txBox="1"/>
+          <p:nvPr/>
+        </p:nvSpPr>
+        <p:spPr>
+          <a:xfrm>
+            <a:off x="22357080" y="25692054"/>
+            <a:ext cx="19970426" cy="1200329"/>
+          </a:xfrm>
+          <a:prstGeom prst="rect">
+            <a:avLst/>
+          </a:prstGeom>
+          <a:noFill/>
+        </p:spPr>
+        <p:txBody>
+          <a:bodyPr wrap="square" rtlCol="0">
+            <a:spAutoFit/>
+          </a:bodyPr>
+          <a:lstStyle/>
+          <a:p>
+            <a:pPr marL="571500" indent="-571500">
+              <a:buFont typeface="Arial" panose="020B0604020202020204" pitchFamily="34" charset="0"/>
+              <a:buChar char="•"/>
+            </a:pPr>
+            <a:r>
+              <a:rPr lang="en-US" sz="3600" dirty="0"/>
+              <a:t>Add more parameters to get a better estimate of battery stress</a:t>
+            </a:r>
+          </a:p>
+          <a:p>
+            <a:pPr marL="571500" indent="-571500">
+              <a:buFont typeface="Arial" panose="020B0604020202020204" pitchFamily="34" charset="0"/>
+              <a:buChar char="•"/>
+            </a:pPr>
+            <a:r>
+              <a:rPr lang="en-US" sz="3600" dirty="0"/>
+              <a:t>Interpolate grade between points</a:t>
+            </a:r>
+          </a:p>
+        </p:txBody>
+      </p:sp>
+      <p:pic>
+        <p:nvPicPr>
+          <p:cNvPr id="17" name="Picture 16">
+            <a:extLst>
+              <a:ext uri="{FF2B5EF4-FFF2-40B4-BE49-F238E27FC236}">
+                <a16:creationId xmlns:a16="http://schemas.microsoft.com/office/drawing/2014/main" id="{9E29C65D-93CA-427B-A62B-6BCD1FEEBD88}"/>
+              </a:ext>
+            </a:extLst>
+          </p:cNvPr>
+          <p:cNvPicPr>
+            <a:picLocks noChangeAspect="1"/>
+          </p:cNvPicPr>
+          <p:nvPr/>
+        </p:nvPicPr>
+        <p:blipFill>
+          <a:blip r:embed="rId4"/>
+          <a:stretch>
+            <a:fillRect/>
+          </a:stretch>
+        </p:blipFill>
+        <p:spPr>
+          <a:xfrm>
+            <a:off x="1122560" y="24460180"/>
+            <a:ext cx="3659596" cy="6401800"/>
+          </a:xfrm>
+          <a:prstGeom prst="rect">
+            <a:avLst/>
+          </a:prstGeom>
+        </p:spPr>
+      </p:pic>
+      <p:pic>
+        <p:nvPicPr>
+          <p:cNvPr id="1026" name="Picture 2" descr="1280px-King_County_Metro_logo.svg.png (1280Ã458)">
+            <a:extLst>
+              <a:ext uri="{FF2B5EF4-FFF2-40B4-BE49-F238E27FC236}">
+                <a16:creationId xmlns:a16="http://schemas.microsoft.com/office/drawing/2014/main" id="{8BB45396-F1B8-439B-85F4-8F30A36B5797}"/>
+              </a:ext>
+            </a:extLst>
+          </p:cNvPr>
+          <p:cNvPicPr>
+            <a:picLocks noChangeAspect="1" noChangeArrowheads="1"/>
+          </p:cNvPicPr>
+          <p:nvPr/>
+        </p:nvPicPr>
+        <p:blipFill>
+          <a:blip r:embed="rId5">
+            <a:extLst>
+              <a:ext uri="{28A0092B-C50C-407E-A947-70E740481C1C}">
+                <a14:useLocalDpi xmlns:a14="http://schemas.microsoft.com/office/drawing/2010/main" val="0"/>
+              </a:ext>
+            </a:extLst>
+          </a:blip>
+          <a:srcRect/>
+          <a:stretch>
+            <a:fillRect/>
+          </a:stretch>
+        </p:blipFill>
+        <p:spPr bwMode="auto">
+          <a:xfrm>
+            <a:off x="1183860" y="22746440"/>
+            <a:ext cx="3912475" cy="1399933"/>
+          </a:xfrm>
+          <a:prstGeom prst="rect">
+            <a:avLst/>
+          </a:prstGeom>
+          <a:noFill/>
+          <a:extLst>
+            <a:ext uri="{909E8E84-426E-40DD-AFC4-6F175D3DCCD1}">
+              <a14:hiddenFill xmlns:a14="http://schemas.microsoft.com/office/drawing/2010/main">
+                <a:solidFill>
+                  <a:srgbClr val="FFFFFF"/>
+                </a:solidFill>
+              </a14:hiddenFill>
+            </a:ext>
+          </a:extLst>
+        </p:spPr>
+      </p:pic>
+      <p:pic>
+        <p:nvPicPr>
+          <p:cNvPr id="18" name="Picture 17">
+            <a:extLst>
+              <a:ext uri="{FF2B5EF4-FFF2-40B4-BE49-F238E27FC236}">
+                <a16:creationId xmlns:a16="http://schemas.microsoft.com/office/drawing/2014/main" id="{DDF437E7-AAE9-4EF6-BF11-DB964181EBCD}"/>
+              </a:ext>
+            </a:extLst>
+          </p:cNvPr>
+          <p:cNvPicPr>
+            <a:picLocks noChangeAspect="1"/>
+          </p:cNvPicPr>
+          <p:nvPr/>
+        </p:nvPicPr>
+        <p:blipFill>
+          <a:blip r:embed="rId6"/>
+          <a:stretch>
+            <a:fillRect/>
+          </a:stretch>
+        </p:blipFill>
+        <p:spPr>
+          <a:xfrm>
+            <a:off x="5757438" y="24633717"/>
+            <a:ext cx="4818090" cy="6228263"/>
+          </a:xfrm>
+          <a:prstGeom prst="rect">
+            <a:avLst/>
+          </a:prstGeom>
+        </p:spPr>
+      </p:pic>
+      <p:pic>
+        <p:nvPicPr>
+          <p:cNvPr id="1028" name="Picture 4" descr="DNR.png (254Ã254)">
+            <a:extLst>
+              <a:ext uri="{FF2B5EF4-FFF2-40B4-BE49-F238E27FC236}">
+                <a16:creationId xmlns:a16="http://schemas.microsoft.com/office/drawing/2014/main" id="{F810BD77-A384-440A-886D-C81902155795}"/>
+              </a:ext>
+            </a:extLst>
+          </p:cNvPr>
+          <p:cNvPicPr>
+            <a:picLocks noChangeAspect="1" noChangeArrowheads="1"/>
+          </p:cNvPicPr>
+          <p:nvPr/>
+        </p:nvPicPr>
+        <p:blipFill>
+          <a:blip r:embed="rId7">
+            <a:extLst>
+              <a:ext uri="{BEBA8EAE-BF5A-486C-A8C5-ECC9F3942E4B}">
+                <a14:imgProps xmlns:a14="http://schemas.microsoft.com/office/drawing/2010/main">
+                  <a14:imgLayer r:embed="rId8">
+                    <a14:imgEffect>
+                      <a14:backgroundRemoval t="10000" b="90000" l="10000" r="90000">
+                        <a14:foregroundMark x1="51181" y1="61417" x2="49213" y2="66142"/>
+                      </a14:backgroundRemoval>
+                    </a14:imgEffect>
+                  </a14:imgLayer>
+                </a14:imgProps>
+              </a:ext>
+              <a:ext uri="{28A0092B-C50C-407E-A947-70E740481C1C}">
+                <a14:useLocalDpi xmlns:a14="http://schemas.microsoft.com/office/drawing/2010/main" val="0"/>
+              </a:ext>
+            </a:extLst>
+          </a:blip>
+          <a:srcRect/>
+          <a:stretch>
+            <a:fillRect/>
+          </a:stretch>
+        </p:blipFill>
+        <p:spPr bwMode="auto">
+          <a:xfrm>
+            <a:off x="7728964" y="22459869"/>
+            <a:ext cx="2171417" cy="2171417"/>
+          </a:xfrm>
+          <a:prstGeom prst="rect">
+            <a:avLst/>
+          </a:prstGeom>
+          <a:noFill/>
+          <a:extLst>
+            <a:ext uri="{909E8E84-426E-40DD-AFC4-6F175D3DCCD1}">
+              <a14:hiddenFill xmlns:a14="http://schemas.microsoft.com/office/drawing/2010/main">
+                <a:solidFill>
+                  <a:srgbClr val="FFFFFF"/>
+                </a:solidFill>
+              </a14:hiddenFill>
+            </a:ext>
+          </a:extLst>
+        </p:spPr>
+      </p:pic>
+      <p:sp>
+        <p:nvSpPr>
+          <p:cNvPr id="49" name="TextBox 48">
+            <a:extLst>
+              <a:ext uri="{FF2B5EF4-FFF2-40B4-BE49-F238E27FC236}">
+                <a16:creationId xmlns:a16="http://schemas.microsoft.com/office/drawing/2014/main" id="{6127D633-136D-4852-B472-727ACEAB1CFC}"/>
+              </a:ext>
+            </a:extLst>
+          </p:cNvPr>
+          <p:cNvSpPr txBox="1"/>
+          <p:nvPr/>
+        </p:nvSpPr>
+        <p:spPr>
+          <a:xfrm>
+            <a:off x="890088" y="31000244"/>
+            <a:ext cx="5744628" cy="584775"/>
+          </a:xfrm>
+          <a:prstGeom prst="rect">
+            <a:avLst/>
+          </a:prstGeom>
+          <a:noFill/>
+        </p:spPr>
+        <p:txBody>
+          <a:bodyPr wrap="square" rtlCol="0">
+            <a:spAutoFit/>
+          </a:bodyPr>
+          <a:lstStyle/>
+          <a:p>
+            <a:r>
+              <a:rPr lang="en-US" sz="3200" dirty="0"/>
+              <a:t>Bus routes: Shapefile (.</a:t>
+            </a:r>
+            <a:r>
+              <a:rPr lang="en-US" sz="3200" dirty="0" err="1"/>
+              <a:t>shp</a:t>
+            </a:r>
+            <a:r>
+              <a:rPr lang="en-US" sz="3200" dirty="0"/>
+              <a:t>)</a:t>
+            </a:r>
+          </a:p>
+        </p:txBody>
+      </p:sp>
+      <p:sp>
+        <p:nvSpPr>
+          <p:cNvPr id="54" name="TextBox 53">
+            <a:extLst>
+              <a:ext uri="{FF2B5EF4-FFF2-40B4-BE49-F238E27FC236}">
+                <a16:creationId xmlns:a16="http://schemas.microsoft.com/office/drawing/2014/main" id="{8A86792B-7618-4549-8E7E-E829DE000D4F}"/>
+              </a:ext>
+            </a:extLst>
+          </p:cNvPr>
+          <p:cNvSpPr txBox="1"/>
+          <p:nvPr/>
+        </p:nvSpPr>
+        <p:spPr>
+          <a:xfrm>
+            <a:off x="6209912" y="30923068"/>
+            <a:ext cx="5744628" cy="584775"/>
+          </a:xfrm>
+          <a:prstGeom prst="rect">
+            <a:avLst/>
+          </a:prstGeom>
+          <a:noFill/>
+        </p:spPr>
+        <p:txBody>
+          <a:bodyPr wrap="square" rtlCol="0">
+            <a:spAutoFit/>
+          </a:bodyPr>
+          <a:lstStyle/>
+          <a:p>
+            <a:r>
+              <a:rPr lang="en-US" sz="3200" dirty="0"/>
+              <a:t>Elevation: Raster file (.</a:t>
+            </a:r>
+            <a:r>
+              <a:rPr lang="en-US" sz="3200" dirty="0" err="1"/>
+              <a:t>tif</a:t>
+            </a:r>
+            <a:r>
+              <a:rPr lang="en-US" sz="3200" dirty="0"/>
+              <a:t>)</a:t>
+            </a:r>
+          </a:p>
+        </p:txBody>
+      </p:sp>
+      <p:sp>
+        <p:nvSpPr>
+          <p:cNvPr id="50" name="TextBox 49">
+            <a:extLst>
+              <a:ext uri="{FF2B5EF4-FFF2-40B4-BE49-F238E27FC236}">
+                <a16:creationId xmlns:a16="http://schemas.microsoft.com/office/drawing/2014/main" id="{98A0D93F-D3A9-4CC9-94D1-6ED7007632F3}"/>
+              </a:ext>
+            </a:extLst>
+          </p:cNvPr>
+          <p:cNvSpPr txBox="1"/>
+          <p:nvPr/>
+        </p:nvSpPr>
+        <p:spPr>
+          <a:xfrm>
+            <a:off x="11313042" y="22902530"/>
+            <a:ext cx="9281868" cy="3416320"/>
+          </a:xfrm>
+          <a:prstGeom prst="rect">
+            <a:avLst/>
+          </a:prstGeom>
+          <a:noFill/>
+        </p:spPr>
+        <p:txBody>
+          <a:bodyPr wrap="square" rtlCol="0">
+            <a:spAutoFit/>
+          </a:bodyPr>
+          <a:lstStyle/>
+          <a:p>
+            <a:pPr marL="571500" indent="-571500">
+              <a:buFont typeface="Arial" panose="020B0604020202020204" pitchFamily="34" charset="0"/>
+              <a:buChar char="•"/>
+            </a:pPr>
+            <a:r>
+              <a:rPr lang="en-US" sz="3600" dirty="0"/>
+              <a:t>Routes were re-traced to avoid repeated points from multiple directions</a:t>
+            </a:r>
+          </a:p>
+          <a:p>
+            <a:pPr marL="571500" indent="-571500">
+              <a:buFont typeface="Arial" panose="020B0604020202020204" pitchFamily="34" charset="0"/>
+              <a:buChar char="•"/>
+            </a:pPr>
+            <a:r>
+              <a:rPr lang="en-US" sz="3600" dirty="0"/>
+              <a:t>Shapefile and raster file must use the same coordinate system.</a:t>
+            </a:r>
+          </a:p>
+          <a:p>
+            <a:pPr marL="571500" indent="-571500">
+              <a:buFont typeface="Arial" panose="020B0604020202020204" pitchFamily="34" charset="0"/>
+              <a:buChar char="•"/>
+            </a:pPr>
+            <a:endParaRPr lang="en-US" sz="3600" dirty="0"/>
+          </a:p>
+          <a:p>
+            <a:endParaRPr lang="en-US" sz="3600" dirty="0"/>
+          </a:p>
+        </p:txBody>
+      </p:sp>
     </p:spTree>
     <p:extLst>
       <p:ext uri="{BB962C8B-B14F-4D97-AF65-F5344CB8AC3E}">
